--- a/Vendor_Boards/Microchip_PICDEM 2 plus_board_2010/tutorials/GCBASIC_Part17_toolchain.pptx
+++ b/Vendor_Boards/Microchip_PICDEM 2 plus_board_2010/tutorials/GCBASIC_Part17_toolchain.pptx
@@ -211,7 +211,7 @@
             <a:fld id="{742E545A-AB39-44F0-B5A6-04A90C6C9399}" type="datetimeFigureOut">
               <a:rPr lang="en-GB" smtClean="0"/>
               <a:pPr/>
-              <a:t>28/01/2025</a:t>
+              <a:t>29/01/2025</a:t>
             </a:fld>
             <a:endParaRPr lang="en-GB" dirty="0"/>
           </a:p>
@@ -378,7 +378,7 @@
             <a:fld id="{FF100B3C-2E11-428B-8555-A77018253716}" type="datetimeFigureOut">
               <a:rPr lang="en-GB" smtClean="0"/>
               <a:pPr/>
-              <a:t>28/01/2025</a:t>
+              <a:t>29/01/2025</a:t>
             </a:fld>
             <a:endParaRPr lang="en-GB" dirty="0"/>
           </a:p>
@@ -671,7 +671,7 @@
           <p:cNvPr id="7" name="Rectangle 6">
             <a:extLst>
               <a:ext uri="{FF2B5EF4-FFF2-40B4-BE49-F238E27FC236}">
-                <a16:creationId xmlns:a16="http://schemas.microsoft.com/office/drawing/2014/main" xmlns="" id="{9C757326-0232-4CDF-81FF-302CA676961B}"/>
+                <a16:creationId xmlns="" xmlns:a16="http://schemas.microsoft.com/office/drawing/2014/main" id="{9C757326-0232-4CDF-81FF-302CA676961B}"/>
               </a:ext>
             </a:extLst>
           </p:cNvPr>
@@ -723,7 +723,7 @@
           <p:cNvPr id="8" name="Picture 7">
             <a:extLst>
               <a:ext uri="{FF2B5EF4-FFF2-40B4-BE49-F238E27FC236}">
-                <a16:creationId xmlns:a16="http://schemas.microsoft.com/office/drawing/2014/main" xmlns="" id="{4987E008-68E6-4A43-85BC-1A6ACDF91DE1}"/>
+                <a16:creationId xmlns="" xmlns:a16="http://schemas.microsoft.com/office/drawing/2014/main" id="{4987E008-68E6-4A43-85BC-1A6ACDF91DE1}"/>
               </a:ext>
             </a:extLst>
           </p:cNvPr>
@@ -752,7 +752,7 @@
           <p:cNvPr id="11" name="Picture 10">
             <a:extLst>
               <a:ext uri="{FF2B5EF4-FFF2-40B4-BE49-F238E27FC236}">
-                <a16:creationId xmlns:a16="http://schemas.microsoft.com/office/drawing/2014/main" xmlns="" id="{A1F8C892-C868-4DF6-91AB-B18CE632B10F}"/>
+                <a16:creationId xmlns="" xmlns:a16="http://schemas.microsoft.com/office/drawing/2014/main" id="{A1F8C892-C868-4DF6-91AB-B18CE632B10F}"/>
               </a:ext>
             </a:extLst>
           </p:cNvPr>
@@ -938,7 +938,7 @@
           <p:cNvPr id="12" name="Text Placeholder 2">
             <a:extLst>
               <a:ext uri="{FF2B5EF4-FFF2-40B4-BE49-F238E27FC236}">
-                <a16:creationId xmlns:a16="http://schemas.microsoft.com/office/drawing/2014/main" xmlns="" id="{D547E580-E6D6-4D97-BB04-05795A830147}"/>
+                <a16:creationId xmlns="" xmlns:a16="http://schemas.microsoft.com/office/drawing/2014/main" id="{D547E580-E6D6-4D97-BB04-05795A830147}"/>
               </a:ext>
             </a:extLst>
           </p:cNvPr>
@@ -1091,7 +1091,7 @@
           <p:cNvPr id="9" name="Picture 8">
             <a:extLst>
               <a:ext uri="{FF2B5EF4-FFF2-40B4-BE49-F238E27FC236}">
-                <a16:creationId xmlns:a16="http://schemas.microsoft.com/office/drawing/2014/main" xmlns="" id="{7CE2C968-D10A-4226-8FDC-CBC4C7EDD0B7}"/>
+                <a16:creationId xmlns="" xmlns:a16="http://schemas.microsoft.com/office/drawing/2014/main" id="{7CE2C968-D10A-4226-8FDC-CBC4C7EDD0B7}"/>
               </a:ext>
             </a:extLst>
           </p:cNvPr>
@@ -1293,7 +1293,7 @@
             <a:fld id="{C473AACB-D821-4991-9D88-46EB8D29E619}" type="datetimeFigureOut">
               <a:rPr lang="en-GB" smtClean="0"/>
               <a:pPr/>
-              <a:t>28/01/2025</a:t>
+              <a:t>29/01/2025</a:t>
             </a:fld>
             <a:endParaRPr lang="en-GB" dirty="0"/>
           </a:p>
@@ -1377,7 +1377,7 @@
           <p:cNvPr id="9" name="Picture 8">
             <a:extLst>
               <a:ext uri="{FF2B5EF4-FFF2-40B4-BE49-F238E27FC236}">
-                <a16:creationId xmlns:a16="http://schemas.microsoft.com/office/drawing/2014/main" xmlns="" id="{6AB5D66D-00C1-40EA-BFC8-305566F10369}"/>
+                <a16:creationId xmlns="" xmlns:a16="http://schemas.microsoft.com/office/drawing/2014/main" id="{6AB5D66D-00C1-40EA-BFC8-305566F10369}"/>
               </a:ext>
             </a:extLst>
           </p:cNvPr>
@@ -1587,7 +1587,7 @@
             <a:fld id="{C473AACB-D821-4991-9D88-46EB8D29E619}" type="datetimeFigureOut">
               <a:rPr lang="en-GB" smtClean="0"/>
               <a:pPr/>
-              <a:t>28/01/2025</a:t>
+              <a:t>29/01/2025</a:t>
             </a:fld>
             <a:endParaRPr lang="en-GB" dirty="0"/>
           </a:p>
@@ -1840,7 +1840,7 @@
             <a:fld id="{C473AACB-D821-4991-9D88-46EB8D29E619}" type="datetimeFigureOut">
               <a:rPr lang="en-GB" smtClean="0"/>
               <a:pPr/>
-              <a:t>28/01/2025</a:t>
+              <a:t>29/01/2025</a:t>
             </a:fld>
             <a:endParaRPr lang="en-GB" dirty="0"/>
           </a:p>
@@ -1894,7 +1894,7 @@
           <p:cNvPr id="8" name="Picture 7">
             <a:extLst>
               <a:ext uri="{FF2B5EF4-FFF2-40B4-BE49-F238E27FC236}">
-                <a16:creationId xmlns:a16="http://schemas.microsoft.com/office/drawing/2014/main" xmlns="" id="{AD4D4CB4-D965-4BB6-B218-086244C13BAE}"/>
+                <a16:creationId xmlns="" xmlns:a16="http://schemas.microsoft.com/office/drawing/2014/main" id="{AD4D4CB4-D965-4BB6-B218-086244C13BAE}"/>
               </a:ext>
             </a:extLst>
           </p:cNvPr>
@@ -2185,7 +2185,7 @@
             <a:fld id="{C473AACB-D821-4991-9D88-46EB8D29E619}" type="datetimeFigureOut">
               <a:rPr lang="en-GB" smtClean="0"/>
               <a:pPr/>
-              <a:t>28/01/2025</a:t>
+              <a:t>29/01/2025</a:t>
             </a:fld>
             <a:endParaRPr lang="en-GB" dirty="0"/>
           </a:p>
@@ -2329,7 +2329,7 @@
           <p:cNvPr id="11" name="Picture 10">
             <a:extLst>
               <a:ext uri="{FF2B5EF4-FFF2-40B4-BE49-F238E27FC236}">
-                <a16:creationId xmlns:a16="http://schemas.microsoft.com/office/drawing/2014/main" xmlns="" id="{A3B58C4E-0EF0-466C-9740-EC9F485CBD03}"/>
+                <a16:creationId xmlns="" xmlns:a16="http://schemas.microsoft.com/office/drawing/2014/main" id="{A3B58C4E-0EF0-466C-9740-EC9F485CBD03}"/>
               </a:ext>
             </a:extLst>
           </p:cNvPr>
@@ -2557,7 +2557,7 @@
             <a:fld id="{C473AACB-D821-4991-9D88-46EB8D29E619}" type="datetimeFigureOut">
               <a:rPr lang="en-GB" smtClean="0"/>
               <a:pPr/>
-              <a:t>28/01/2025</a:t>
+              <a:t>29/01/2025</a:t>
             </a:fld>
             <a:endParaRPr lang="en-GB" dirty="0"/>
           </a:p>
@@ -2611,7 +2611,7 @@
           <p:cNvPr id="7" name="Picture 6">
             <a:extLst>
               <a:ext uri="{FF2B5EF4-FFF2-40B4-BE49-F238E27FC236}">
-                <a16:creationId xmlns:a16="http://schemas.microsoft.com/office/drawing/2014/main" xmlns="" id="{2D0B9223-1250-44AA-A6C3-F2013B85AEF3}"/>
+                <a16:creationId xmlns="" xmlns:a16="http://schemas.microsoft.com/office/drawing/2014/main" id="{2D0B9223-1250-44AA-A6C3-F2013B85AEF3}"/>
               </a:ext>
             </a:extLst>
           </p:cNvPr>
@@ -2903,7 +2903,7 @@
             <a:fld id="{C473AACB-D821-4991-9D88-46EB8D29E619}" type="datetimeFigureOut">
               <a:rPr lang="en-GB" smtClean="0"/>
               <a:pPr/>
-              <a:t>28/01/2025</a:t>
+              <a:t>29/01/2025</a:t>
             </a:fld>
             <a:endParaRPr lang="en-GB" dirty="0"/>
           </a:p>
@@ -3039,7 +3039,7 @@
           <p:cNvPr id="11" name="Picture 10">
             <a:extLst>
               <a:ext uri="{FF2B5EF4-FFF2-40B4-BE49-F238E27FC236}">
-                <a16:creationId xmlns:a16="http://schemas.microsoft.com/office/drawing/2014/main" xmlns="" id="{D49E1C7C-7E53-49A2-B2C9-52307876DB7E}"/>
+                <a16:creationId xmlns="" xmlns:a16="http://schemas.microsoft.com/office/drawing/2014/main" id="{D49E1C7C-7E53-49A2-B2C9-52307876DB7E}"/>
               </a:ext>
             </a:extLst>
           </p:cNvPr>
@@ -3327,7 +3327,7 @@
             <a:fld id="{C473AACB-D821-4991-9D88-46EB8D29E619}" type="datetimeFigureOut">
               <a:rPr lang="en-GB" smtClean="0"/>
               <a:pPr/>
-              <a:t>28/01/2025</a:t>
+              <a:t>29/01/2025</a:t>
             </a:fld>
             <a:endParaRPr lang="en-GB" dirty="0"/>
           </a:p>
@@ -3381,7 +3381,7 @@
           <p:cNvPr id="9" name="Picture 8">
             <a:extLst>
               <a:ext uri="{FF2B5EF4-FFF2-40B4-BE49-F238E27FC236}">
-                <a16:creationId xmlns:a16="http://schemas.microsoft.com/office/drawing/2014/main" xmlns="" id="{23082AB0-2BB5-46FE-9A17-15E1ACC06965}"/>
+                <a16:creationId xmlns="" xmlns:a16="http://schemas.microsoft.com/office/drawing/2014/main" id="{23082AB0-2BB5-46FE-9A17-15E1ACC06965}"/>
               </a:ext>
             </a:extLst>
           </p:cNvPr>
@@ -3440,7 +3440,7 @@
           <p:cNvPr id="8" name="Picture 7">
             <a:extLst>
               <a:ext uri="{FF2B5EF4-FFF2-40B4-BE49-F238E27FC236}">
-                <a16:creationId xmlns:a16="http://schemas.microsoft.com/office/drawing/2014/main" xmlns="" id="{1862E859-E5AF-4D76-9FC9-2355B24FF141}"/>
+                <a16:creationId xmlns="" xmlns:a16="http://schemas.microsoft.com/office/drawing/2014/main" id="{1862E859-E5AF-4D76-9FC9-2355B24FF141}"/>
               </a:ext>
             </a:extLst>
           </p:cNvPr>
@@ -3562,7 +3562,7 @@
             <a:fld id="{C473AACB-D821-4991-9D88-46EB8D29E619}" type="datetimeFigureOut">
               <a:rPr lang="en-GB" smtClean="0"/>
               <a:pPr/>
-              <a:t>28/01/2025</a:t>
+              <a:t>29/01/2025</a:t>
             </a:fld>
             <a:endParaRPr lang="en-GB" dirty="0"/>
           </a:p>
@@ -3646,7 +3646,7 @@
           <p:cNvPr id="8" name="Picture 7">
             <a:extLst>
               <a:ext uri="{FF2B5EF4-FFF2-40B4-BE49-F238E27FC236}">
-                <a16:creationId xmlns:a16="http://schemas.microsoft.com/office/drawing/2014/main" xmlns="" id="{91908D0E-7544-4687-965B-72EF64AA4C54}"/>
+                <a16:creationId xmlns="" xmlns:a16="http://schemas.microsoft.com/office/drawing/2014/main" id="{91908D0E-7544-4687-965B-72EF64AA4C54}"/>
               </a:ext>
             </a:extLst>
           </p:cNvPr>
@@ -3773,7 +3773,7 @@
             <a:fld id="{C473AACB-D821-4991-9D88-46EB8D29E619}" type="datetimeFigureOut">
               <a:rPr lang="en-GB" smtClean="0"/>
               <a:pPr/>
-              <a:t>28/01/2025</a:t>
+              <a:t>29/01/2025</a:t>
             </a:fld>
             <a:endParaRPr lang="en-GB" dirty="0"/>
           </a:p>
@@ -3857,7 +3857,7 @@
           <p:cNvPr id="8" name="Picture 7">
             <a:extLst>
               <a:ext uri="{FF2B5EF4-FFF2-40B4-BE49-F238E27FC236}">
-                <a16:creationId xmlns:a16="http://schemas.microsoft.com/office/drawing/2014/main" xmlns="" id="{5B5B8CA2-02D4-408C-B548-182D4F5F54B2}"/>
+                <a16:creationId xmlns="" xmlns:a16="http://schemas.microsoft.com/office/drawing/2014/main" id="{5B5B8CA2-02D4-408C-B548-182D4F5F54B2}"/>
               </a:ext>
             </a:extLst>
           </p:cNvPr>
@@ -3991,7 +3991,7 @@
             <a:fld id="{C473AACB-D821-4991-9D88-46EB8D29E619}" type="datetimeFigureOut">
               <a:rPr lang="en-GB" smtClean="0"/>
               <a:pPr/>
-              <a:t>28/01/2025</a:t>
+              <a:t>29/01/2025</a:t>
             </a:fld>
             <a:endParaRPr lang="en-GB" dirty="0"/>
           </a:p>
@@ -4075,7 +4075,7 @@
           <p:cNvPr id="11" name="Picture 10">
             <a:extLst>
               <a:ext uri="{FF2B5EF4-FFF2-40B4-BE49-F238E27FC236}">
-                <a16:creationId xmlns:a16="http://schemas.microsoft.com/office/drawing/2014/main" xmlns="" id="{EA8DB33B-8BF9-4C99-B31C-55246227EFDE}"/>
+                <a16:creationId xmlns="" xmlns:a16="http://schemas.microsoft.com/office/drawing/2014/main" id="{EA8DB33B-8BF9-4C99-B31C-55246227EFDE}"/>
               </a:ext>
             </a:extLst>
           </p:cNvPr>
@@ -4806,7 +4806,7 @@
             <a:fld id="{C473AACB-D821-4991-9D88-46EB8D29E619}" type="datetimeFigureOut">
               <a:rPr lang="en-GB" smtClean="0"/>
               <a:pPr/>
-              <a:t>28/01/2025</a:t>
+              <a:t>29/01/2025</a:t>
             </a:fld>
             <a:endParaRPr lang="en-GB" dirty="0"/>
           </a:p>
@@ -4890,7 +4890,7 @@
           <p:cNvPr id="11" name="Picture 10">
             <a:extLst>
               <a:ext uri="{FF2B5EF4-FFF2-40B4-BE49-F238E27FC236}">
-                <a16:creationId xmlns:a16="http://schemas.microsoft.com/office/drawing/2014/main" xmlns="" id="{EA8DB33B-8BF9-4C99-B31C-55246227EFDE}"/>
+                <a16:creationId xmlns="" xmlns:a16="http://schemas.microsoft.com/office/drawing/2014/main" id="{EA8DB33B-8BF9-4C99-B31C-55246227EFDE}"/>
               </a:ext>
             </a:extLst>
           </p:cNvPr>
@@ -5620,7 +5620,7 @@
             <a:fld id="{C473AACB-D821-4991-9D88-46EB8D29E619}" type="datetimeFigureOut">
               <a:rPr lang="en-GB" smtClean="0"/>
               <a:pPr/>
-              <a:t>28/01/2025</a:t>
+              <a:t>29/01/2025</a:t>
             </a:fld>
             <a:endParaRPr lang="en-GB" dirty="0"/>
           </a:p>
@@ -5869,7 +5869,7 @@
             <a:fld id="{C473AACB-D821-4991-9D88-46EB8D29E619}" type="datetimeFigureOut">
               <a:rPr lang="en-GB" smtClean="0"/>
               <a:pPr/>
-              <a:t>28/01/2025</a:t>
+              <a:t>29/01/2025</a:t>
             </a:fld>
             <a:endParaRPr lang="en-GB" dirty="0"/>
           </a:p>
@@ -5923,7 +5923,7 @@
           <p:cNvPr id="7" name="Picture 6">
             <a:extLst>
               <a:ext uri="{FF2B5EF4-FFF2-40B4-BE49-F238E27FC236}">
-                <a16:creationId xmlns:a16="http://schemas.microsoft.com/office/drawing/2014/main" xmlns="" id="{6331EFED-43C1-4CBA-8BE3-308E3AA13B9B}"/>
+                <a16:creationId xmlns="" xmlns:a16="http://schemas.microsoft.com/office/drawing/2014/main" id="{6331EFED-43C1-4CBA-8BE3-308E3AA13B9B}"/>
               </a:ext>
             </a:extLst>
           </p:cNvPr>
@@ -6133,7 +6133,7 @@
             <a:fld id="{C473AACB-D821-4991-9D88-46EB8D29E619}" type="datetimeFigureOut">
               <a:rPr lang="en-GB" smtClean="0"/>
               <a:pPr/>
-              <a:t>28/01/2025</a:t>
+              <a:t>29/01/2025</a:t>
             </a:fld>
             <a:endParaRPr lang="en-GB" dirty="0"/>
           </a:p>
@@ -6187,7 +6187,7 @@
           <p:cNvPr id="9" name="Picture 8">
             <a:extLst>
               <a:ext uri="{FF2B5EF4-FFF2-40B4-BE49-F238E27FC236}">
-                <a16:creationId xmlns:a16="http://schemas.microsoft.com/office/drawing/2014/main" xmlns="" id="{1034EA63-4BE3-4A73-A7E6-4A75BE4C1D48}"/>
+                <a16:creationId xmlns="" xmlns:a16="http://schemas.microsoft.com/office/drawing/2014/main" id="{1034EA63-4BE3-4A73-A7E6-4A75BE4C1D48}"/>
               </a:ext>
             </a:extLst>
           </p:cNvPr>
@@ -6246,7 +6246,7 @@
           <p:cNvPr id="10" name="Picture 9">
             <a:extLst>
               <a:ext uri="{FF2B5EF4-FFF2-40B4-BE49-F238E27FC236}">
-                <a16:creationId xmlns:a16="http://schemas.microsoft.com/office/drawing/2014/main" xmlns="" id="{204DC1E6-B5F4-4160-90F3-351FB3242E92}"/>
+                <a16:creationId xmlns="" xmlns:a16="http://schemas.microsoft.com/office/drawing/2014/main" id="{204DC1E6-B5F4-4160-90F3-351FB3242E92}"/>
               </a:ext>
             </a:extLst>
           </p:cNvPr>
@@ -6573,7 +6573,7 @@
             <a:fld id="{C473AACB-D821-4991-9D88-46EB8D29E619}" type="datetimeFigureOut">
               <a:rPr lang="en-GB" smtClean="0"/>
               <a:pPr/>
-              <a:t>28/01/2025</a:t>
+              <a:t>29/01/2025</a:t>
             </a:fld>
             <a:endParaRPr lang="en-GB" dirty="0"/>
           </a:p>
@@ -6657,7 +6657,7 @@
           <p:cNvPr id="6" name="Picture 5">
             <a:extLst>
               <a:ext uri="{FF2B5EF4-FFF2-40B4-BE49-F238E27FC236}">
-                <a16:creationId xmlns:a16="http://schemas.microsoft.com/office/drawing/2014/main" xmlns="" id="{E7897C67-3827-4595-8E3A-71E9F2EAB3AF}"/>
+                <a16:creationId xmlns="" xmlns:a16="http://schemas.microsoft.com/office/drawing/2014/main" id="{E7897C67-3827-4595-8E3A-71E9F2EAB3AF}"/>
               </a:ext>
             </a:extLst>
           </p:cNvPr>
@@ -6728,7 +6728,7 @@
             <a:fld id="{C473AACB-D821-4991-9D88-46EB8D29E619}" type="datetimeFigureOut">
               <a:rPr lang="en-GB" smtClean="0"/>
               <a:pPr/>
-              <a:t>28/01/2025</a:t>
+              <a:t>29/01/2025</a:t>
             </a:fld>
             <a:endParaRPr lang="en-GB" dirty="0"/>
           </a:p>
@@ -6825,7 +6825,7 @@
             <a:fld id="{C473AACB-D821-4991-9D88-46EB8D29E619}" type="datetimeFigureOut">
               <a:rPr lang="en-GB" smtClean="0"/>
               <a:pPr/>
-              <a:t>28/01/2025</a:t>
+              <a:t>29/01/2025</a:t>
             </a:fld>
             <a:endParaRPr lang="en-GB" dirty="0"/>
           </a:p>
@@ -6879,7 +6879,7 @@
           <p:cNvPr id="6" name="Picture 5">
             <a:extLst>
               <a:ext uri="{FF2B5EF4-FFF2-40B4-BE49-F238E27FC236}">
-                <a16:creationId xmlns:a16="http://schemas.microsoft.com/office/drawing/2014/main" xmlns="" id="{F1825398-026A-4668-BB48-C16AD1C9062B}"/>
+                <a16:creationId xmlns="" xmlns:a16="http://schemas.microsoft.com/office/drawing/2014/main" id="{F1825398-026A-4668-BB48-C16AD1C9062B}"/>
               </a:ext>
             </a:extLst>
           </p:cNvPr>
@@ -7602,7 +7602,7 @@
             <a:fld id="{C473AACB-D821-4991-9D88-46EB8D29E619}" type="datetimeFigureOut">
               <a:rPr lang="en-GB" smtClean="0"/>
               <a:pPr/>
-              <a:t>28/01/2025</a:t>
+              <a:t>29/01/2025</a:t>
             </a:fld>
             <a:endParaRPr lang="en-GB" dirty="0"/>
           </a:p>
@@ -8188,7 +8188,6 @@
               <a:rPr lang="en-GB" dirty="0"/>
               <a:t>- The GCBASIC Tool Chain</a:t>
             </a:r>
-            <a:endParaRPr lang="en-GB" dirty="0"/>
           </a:p>
         </p:txBody>
       </p:sp>
@@ -9038,25 +9037,6 @@
       </p:sp>
       <p:sp>
         <p:nvSpPr>
-          <p:cNvPr id="2" name="Content Placeholder 1"/>
-          <p:cNvSpPr>
-            <a:spLocks noGrp="1"/>
-          </p:cNvSpPr>
-          <p:nvPr>
-            <p:ph idx="1"/>
-          </p:nvPr>
-        </p:nvSpPr>
-        <p:spPr/>
-        <p:txBody>
-          <a:bodyPr/>
-          <a:lstStyle/>
-          <a:p>
-            <a:endParaRPr lang="en-GB"/>
-          </a:p>
-        </p:txBody>
-      </p:sp>
-      <p:sp>
-        <p:nvSpPr>
           <p:cNvPr id="48" name="Flowchart: Document 47"/>
           <p:cNvSpPr/>
           <p:nvPr/>
@@ -9978,25 +9958,6 @@
       </p:sp>
       <p:sp>
         <p:nvSpPr>
-          <p:cNvPr id="2" name="Content Placeholder 1"/>
-          <p:cNvSpPr>
-            <a:spLocks noGrp="1"/>
-          </p:cNvSpPr>
-          <p:nvPr>
-            <p:ph idx="1"/>
-          </p:nvPr>
-        </p:nvSpPr>
-        <p:spPr/>
-        <p:txBody>
-          <a:bodyPr/>
-          <a:lstStyle/>
-          <a:p>
-            <a:endParaRPr lang="en-GB"/>
-          </a:p>
-        </p:txBody>
-      </p:sp>
-      <p:sp>
-        <p:nvSpPr>
           <p:cNvPr id="24" name="TextBox 23"/>
           <p:cNvSpPr txBox="1"/>
           <p:nvPr/>
@@ -11629,7 +11590,6 @@
               <a:rPr lang="en-GB" dirty="0"/>
               <a:t>- The GCBASIC Tool Chain</a:t>
             </a:r>
-            <a:endParaRPr lang="en-GB" dirty="0"/>
           </a:p>
         </p:txBody>
       </p:sp>
@@ -11731,11 +11691,7 @@
           <a:p>
             <a:r>
               <a:rPr lang="en-GB" sz="1700" dirty="0" smtClean="0"/>
-              <a:t>January </a:t>
-            </a:r>
-            <a:r>
-              <a:rPr lang="en-GB" sz="1700" dirty="0" smtClean="0"/>
-              <a:t>2025</a:t>
+              <a:t>January 2025</a:t>
             </a:r>
             <a:endParaRPr lang="en-GB" sz="1700" dirty="0"/>
           </a:p>
@@ -24269,7 +24225,7 @@
   <a:extraClrSchemeLst/>
   <a:extLst>
     <a:ext uri="{05A4C25C-085E-4340-85A3-A5531E510DB2}">
-      <thm15:themeFamily xmlns:thm15="http://schemas.microsoft.com/office/thememl/2012/main" xmlns="" name="GCstudioThemeLight" id="{4C740F94-33C0-4EEC-9234-F56C348A0987}" vid="{A43F8B96-90D8-489D-B80F-92F9D6F351CC}"/>
+      <thm15:themeFamily xmlns="" xmlns:thm15="http://schemas.microsoft.com/office/thememl/2012/main" name="GCstudioThemeLight" id="{4C740F94-33C0-4EEC-9234-F56C348A0987}" vid="{A43F8B96-90D8-489D-B80F-92F9D6F351CC}"/>
     </a:ext>
   </a:extLst>
 </a:theme>
